--- a/cartplp.pptx
+++ b/cartplp.pptx
@@ -10273,8 +10273,13 @@
                 </a:solidFill>
                 <a:cs typeface="Arial" panose="020B0604020202020204" pitchFamily="34" charset="0"/>
               </a:rPr>
-              <a:t>                                                       </a:t>
-            </a:r>
+              <a:t>                                                       150682</a:t>
+            </a:r>
+          </a:p>
+          <a:p>
+            <a:pPr marL="0" indent="0">
+              <a:buNone/>
+            </a:pPr>
             <a:r>
               <a:rPr lang="en-IN" dirty="0" smtClean="0">
                 <a:solidFill>
@@ -10282,7 +10287,43 @@
                 </a:solidFill>
                 <a:cs typeface="Arial" panose="020B0604020202020204" pitchFamily="34" charset="0"/>
               </a:rPr>
-              <a:t>150682</a:t>
+              <a:t>	</a:t>
+            </a:r>
+            <a:r>
+              <a:rPr lang="en-IN" dirty="0" err="1" smtClean="0">
+                <a:solidFill>
+                  <a:schemeClr val="tx1"/>
+                </a:solidFill>
+                <a:cs typeface="Arial" panose="020B0604020202020204" pitchFamily="34" charset="0"/>
+              </a:rPr>
+              <a:t>Ch</a:t>
+            </a:r>
+            <a:r>
+              <a:rPr lang="en-IN" dirty="0" smtClean="0">
+                <a:solidFill>
+                  <a:schemeClr val="tx1"/>
+                </a:solidFill>
+                <a:cs typeface="Arial" panose="020B0604020202020204" pitchFamily="34" charset="0"/>
+              </a:rPr>
+              <a:t> . </a:t>
+            </a:r>
+            <a:r>
+              <a:rPr lang="en-IN" dirty="0" err="1" smtClean="0">
+                <a:solidFill>
+                  <a:schemeClr val="tx1"/>
+                </a:solidFill>
+                <a:cs typeface="Arial" panose="020B0604020202020204" pitchFamily="34" charset="0"/>
+              </a:rPr>
+              <a:t>Anudeep</a:t>
+            </a:r>
+            <a:r>
+              <a:rPr lang="en-IN" dirty="0" smtClean="0">
+                <a:solidFill>
+                  <a:schemeClr val="tx1"/>
+                </a:solidFill>
+                <a:cs typeface="Arial" panose="020B0604020202020204" pitchFamily="34" charset="0"/>
+              </a:rPr>
+              <a:t>				                  150701</a:t>
             </a:r>
           </a:p>
           <a:p>
@@ -10296,16 +10337,57 @@
                 </a:solidFill>
                 <a:cs typeface="Arial" panose="020B0604020202020204" pitchFamily="34" charset="0"/>
               </a:rPr>
+              <a:t>	Ch. Lakshmi </a:t>
+            </a:r>
+            <a:r>
+              <a:rPr lang="en-IN" dirty="0" err="1" smtClean="0">
+                <a:solidFill>
+                  <a:schemeClr val="tx1"/>
+                </a:solidFill>
+                <a:cs typeface="Arial" panose="020B0604020202020204" pitchFamily="34" charset="0"/>
+              </a:rPr>
+              <a:t>Kalyani</a:t>
+            </a:r>
+            <a:r>
+              <a:rPr lang="en-IN" dirty="0">
+                <a:solidFill>
+                  <a:schemeClr val="tx1"/>
+                </a:solidFill>
+                <a:cs typeface="Arial" panose="020B0604020202020204" pitchFamily="34" charset="0"/>
+              </a:rPr>
               <a:t>	</a:t>
             </a:r>
             <a:r>
+              <a:rPr lang="en-IN" dirty="0" smtClean="0">
+                <a:solidFill>
+                  <a:schemeClr val="tx1"/>
+                </a:solidFill>
+                <a:cs typeface="Arial" panose="020B0604020202020204" pitchFamily="34" charset="0"/>
+              </a:rPr>
+              <a:t>                                                       150702		                  </a:t>
+            </a:r>
+          </a:p>
+          <a:p>
+            <a:pPr marL="0" indent="0">
+              <a:buNone/>
+            </a:pPr>
+            <a:r>
+              <a:rPr lang="en-IN" dirty="0" smtClean="0">
+                <a:solidFill>
+                  <a:schemeClr val="tx1"/>
+                </a:solidFill>
+                <a:cs typeface="Arial" panose="020B0604020202020204" pitchFamily="34" charset="0"/>
+              </a:rPr>
+              <a:t>	B. </a:t>
+            </a:r>
+            <a:r>
               <a:rPr lang="en-IN" dirty="0" err="1" smtClean="0">
                 <a:solidFill>
                   <a:schemeClr val="tx1"/>
                 </a:solidFill>
                 <a:cs typeface="Arial" panose="020B0604020202020204" pitchFamily="34" charset="0"/>
               </a:rPr>
-              <a:t>Ch</a:t>
+              <a:t>SreeLekha</a:t>
             </a:r>
             <a:r>
               <a:rPr lang="en-IN" dirty="0" smtClean="0">
@@ -10314,141 +10396,8 @@
                 </a:solidFill>
                 <a:cs typeface="Arial" panose="020B0604020202020204" pitchFamily="34" charset="0"/>
               </a:rPr>
-              <a:t> . </a:t>
-            </a:r>
-            <a:r>
-              <a:rPr lang="en-IN" dirty="0" err="1" smtClean="0">
-                <a:solidFill>
-                  <a:schemeClr val="tx1"/>
-                </a:solidFill>
-                <a:cs typeface="Arial" panose="020B0604020202020204" pitchFamily="34" charset="0"/>
-              </a:rPr>
-              <a:t>Anudeep</a:t>
-            </a:r>
-            <a:r>
-              <a:rPr lang="en-IN" dirty="0" smtClean="0">
-                <a:solidFill>
-                  <a:schemeClr val="tx1"/>
-                </a:solidFill>
-                <a:cs typeface="Arial" panose="020B0604020202020204" pitchFamily="34" charset="0"/>
-              </a:rPr>
-              <a:t>				                  150701</a:t>
-            </a:r>
-          </a:p>
-          <a:p>
-            <a:pPr marL="0" indent="0">
-              <a:buNone/>
-            </a:pPr>
-            <a:r>
-              <a:rPr lang="en-IN" dirty="0" smtClean="0">
-                <a:solidFill>
-                  <a:schemeClr val="tx1"/>
-                </a:solidFill>
-                <a:cs typeface="Arial" panose="020B0604020202020204" pitchFamily="34" charset="0"/>
-              </a:rPr>
-              <a:t>	</a:t>
-            </a:r>
-            <a:r>
-              <a:rPr lang="en-IN" dirty="0" smtClean="0">
-                <a:solidFill>
-                  <a:schemeClr val="tx1"/>
-                </a:solidFill>
-                <a:cs typeface="Arial" panose="020B0604020202020204" pitchFamily="34" charset="0"/>
-              </a:rPr>
-              <a:t>Ch. Lakshmi </a:t>
-            </a:r>
-            <a:r>
-              <a:rPr lang="en-IN" dirty="0" err="1" smtClean="0">
-                <a:solidFill>
-                  <a:schemeClr val="tx1"/>
-                </a:solidFill>
-                <a:cs typeface="Arial" panose="020B0604020202020204" pitchFamily="34" charset="0"/>
-              </a:rPr>
-              <a:t>Kalyani</a:t>
-            </a:r>
-            <a:r>
-              <a:rPr lang="en-IN" dirty="0">
-                <a:solidFill>
-                  <a:schemeClr val="tx1"/>
-                </a:solidFill>
-                <a:cs typeface="Arial" panose="020B0604020202020204" pitchFamily="34" charset="0"/>
-              </a:rPr>
-              <a:t>	</a:t>
-            </a:r>
-            <a:r>
-              <a:rPr lang="en-IN" dirty="0" smtClean="0">
-                <a:solidFill>
-                  <a:schemeClr val="tx1"/>
-                </a:solidFill>
-                <a:cs typeface="Arial" panose="020B0604020202020204" pitchFamily="34" charset="0"/>
-              </a:rPr>
-              <a:t>                                                       150702</a:t>
-            </a:r>
-            <a:r>
-              <a:rPr lang="en-IN" dirty="0" smtClean="0">
-                <a:solidFill>
-                  <a:schemeClr val="tx1"/>
-                </a:solidFill>
-                <a:cs typeface="Arial" panose="020B0604020202020204" pitchFamily="34" charset="0"/>
-              </a:rPr>
-              <a:t>		                  </a:t>
-            </a:r>
-          </a:p>
-          <a:p>
-            <a:pPr marL="0" indent="0">
-              <a:buNone/>
-            </a:pPr>
-            <a:r>
-              <a:rPr lang="en-IN" dirty="0" smtClean="0">
-                <a:solidFill>
-                  <a:schemeClr val="tx1"/>
-                </a:solidFill>
-                <a:cs typeface="Arial" panose="020B0604020202020204" pitchFamily="34" charset="0"/>
-              </a:rPr>
-              <a:t>	</a:t>
-            </a:r>
-            <a:r>
-              <a:rPr lang="en-IN" dirty="0" smtClean="0">
-                <a:solidFill>
-                  <a:schemeClr val="tx1"/>
-                </a:solidFill>
-                <a:cs typeface="Arial" panose="020B0604020202020204" pitchFamily="34" charset="0"/>
-              </a:rPr>
-              <a:t>B. </a:t>
-            </a:r>
-            <a:r>
-              <a:rPr lang="en-IN" dirty="0" err="1" smtClean="0">
-                <a:solidFill>
-                  <a:schemeClr val="tx1"/>
-                </a:solidFill>
-                <a:cs typeface="Arial" panose="020B0604020202020204" pitchFamily="34" charset="0"/>
-              </a:rPr>
-              <a:t>SreeLekha</a:t>
-            </a:r>
-            <a:r>
-              <a:rPr lang="en-IN" dirty="0" smtClean="0">
-                <a:solidFill>
-                  <a:schemeClr val="tx1"/>
-                </a:solidFill>
-                <a:cs typeface="Arial" panose="020B0604020202020204" pitchFamily="34" charset="0"/>
-              </a:rPr>
-              <a:t>					</a:t>
-            </a:r>
-            <a:r>
-              <a:rPr lang="en-IN" dirty="0" smtClean="0">
-                <a:solidFill>
-                  <a:schemeClr val="tx1"/>
-                </a:solidFill>
-                <a:cs typeface="Arial" panose="020B0604020202020204" pitchFamily="34" charset="0"/>
-              </a:rPr>
-              <a:t>150683</a:t>
-            </a:r>
-            <a:endParaRPr lang="en-IN" dirty="0" smtClean="0">
-              <a:solidFill>
-                <a:schemeClr val="tx1"/>
-              </a:solidFill>
-              <a:cs typeface="Arial" panose="020B0604020202020204" pitchFamily="34" charset="0"/>
-            </a:endParaRPr>
+              <a:t>					150683</a:t>
+            </a:r>
           </a:p>
           <a:p>
             <a:pPr marL="0" indent="0">
@@ -11322,12 +11271,6 @@
               </a:rPr>
               <a:t>browser.</a:t>
             </a:r>
-            <a:endParaRPr lang="en-US" b="0" dirty="0" smtClean="0">
-              <a:solidFill>
-                <a:schemeClr val="tx1"/>
-              </a:solidFill>
-              <a:cs typeface="Arial" panose="020B0604020202020204" pitchFamily="34" charset="0"/>
-            </a:endParaRPr>
           </a:p>
           <a:p>
             <a:pPr marL="0" indent="0">
@@ -12204,9 +12147,6 @@
                         </a:rPr>
                         <a:t>34</a:t>
                       </a:r>
-                      <a:endParaRPr lang="en-US" dirty="0" smtClean="0">
-                        <a:latin typeface="Candara" panose="020E0502030303020204" pitchFamily="34" charset="0"/>
-                      </a:endParaRPr>
                     </a:p>
                     <a:p>
                       <a:endParaRPr lang="en-US" dirty="0">
@@ -12372,9 +12312,6 @@
                         </a:rPr>
                         <a:t>34</a:t>
                       </a:r>
-                      <a:endParaRPr lang="en-US" dirty="0" smtClean="0">
-                        <a:latin typeface="Candara" panose="020E0502030303020204" pitchFamily="34" charset="0"/>
-                      </a:endParaRPr>
                     </a:p>
                   </a:txBody>
                   <a:tcPr/>
